--- a/Project/LicensePlateSurveyPresentation_4252013.pptx
+++ b/Project/LicensePlateSurveyPresentation_4252013.pptx
@@ -5,10 +5,10 @@
     <p:sldMasterId id="2147483648" r:id="rId1"/>
   </p:sldMasterIdLst>
   <p:notesMasterIdLst>
-    <p:notesMasterId r:id="rId14"/>
+    <p:notesMasterId r:id="rId21"/>
   </p:notesMasterIdLst>
   <p:handoutMasterIdLst>
-    <p:handoutMasterId r:id="rId15"/>
+    <p:handoutMasterId r:id="rId22"/>
   </p:handoutMasterIdLst>
   <p:sldIdLst>
     <p:sldId id="256" r:id="rId2"/>
@@ -23,6 +23,13 @@
     <p:sldId id="265" r:id="rId11"/>
     <p:sldId id="266" r:id="rId12"/>
     <p:sldId id="267" r:id="rId13"/>
+    <p:sldId id="268" r:id="rId14"/>
+    <p:sldId id="269" r:id="rId15"/>
+    <p:sldId id="270" r:id="rId16"/>
+    <p:sldId id="271" r:id="rId17"/>
+    <p:sldId id="272" r:id="rId18"/>
+    <p:sldId id="273" r:id="rId19"/>
+    <p:sldId id="274" r:id="rId20"/>
   </p:sldIdLst>
   <p:sldSz cx="9144000" cy="6858000" type="screen4x3"/>
   <p:notesSz cx="6858000" cy="9144000"/>
@@ -883,6 +890,954 @@
             <a:fld id="{9B36A9F9-031C-AA49-BE4B-FD997E988815}" type="slidenum">
               <a:rPr lang="en-US" smtClean="0"/>
               <a:t>12</a:t>
+            </a:fld>
+            <a:endParaRPr lang="en-US"/>
+          </a:p>
+        </p:txBody>
+      </p:sp>
+    </p:spTree>
+    <p:extLst>
+      <p:ext uri="{BB962C8B-B14F-4D97-AF65-F5344CB8AC3E}">
+        <p14:creationId xmlns:p14="http://schemas.microsoft.com/office/powerpoint/2010/main" val="3395711368"/>
+      </p:ext>
+    </p:extLst>
+  </p:cSld>
+  <p:clrMapOvr>
+    <a:masterClrMapping/>
+  </p:clrMapOvr>
+</p:notes>
+</file>
+
+<file path=ppt/notesSlides/notesSlide12.xml><?xml version="1.0" encoding="utf-8"?>
+<p:notes xmlns:a="http://schemas.openxmlformats.org/drawingml/2006/main" xmlns:r="http://schemas.openxmlformats.org/officeDocument/2006/relationships" xmlns:p="http://schemas.openxmlformats.org/presentationml/2006/main">
+  <p:cSld>
+    <p:spTree>
+      <p:nvGrpSpPr>
+        <p:cNvPr id="1" name=""/>
+        <p:cNvGrpSpPr/>
+        <p:nvPr/>
+      </p:nvGrpSpPr>
+      <p:grpSpPr>
+        <a:xfrm>
+          <a:off x="0" y="0"/>
+          <a:ext cx="0" cy="0"/>
+          <a:chOff x="0" y="0"/>
+          <a:chExt cx="0" cy="0"/>
+        </a:xfrm>
+      </p:grpSpPr>
+      <p:sp>
+        <p:nvSpPr>
+          <p:cNvPr id="2" name="Slide Image Placeholder 1"/>
+          <p:cNvSpPr>
+            <a:spLocks noGrp="1" noRot="1" noChangeAspect="1"/>
+          </p:cNvSpPr>
+          <p:nvPr>
+            <p:ph type="sldImg"/>
+          </p:nvPr>
+        </p:nvSpPr>
+        <p:spPr/>
+      </p:sp>
+      <p:sp>
+        <p:nvSpPr>
+          <p:cNvPr id="3" name="Notes Placeholder 2"/>
+          <p:cNvSpPr>
+            <a:spLocks noGrp="1"/>
+          </p:cNvSpPr>
+          <p:nvPr>
+            <p:ph type="body" idx="1"/>
+          </p:nvPr>
+        </p:nvSpPr>
+        <p:spPr/>
+        <p:txBody>
+          <a:bodyPr/>
+          <a:lstStyle/>
+          <a:p>
+            <a:r>
+              <a:rPr lang="en-US" dirty="0" smtClean="0"/>
+              <a:t>Gabor</a:t>
+            </a:r>
+            <a:r>
+              <a:rPr lang="en-US" baseline="0" dirty="0" smtClean="0"/>
+              <a:t> Filters – Linear filter used for edge detection. Good for texture description and discrimination.</a:t>
+            </a:r>
+            <a:endParaRPr lang="en-US" dirty="0" smtClean="0"/>
+          </a:p>
+        </p:txBody>
+      </p:sp>
+      <p:sp>
+        <p:nvSpPr>
+          <p:cNvPr id="4" name="Slide Number Placeholder 3"/>
+          <p:cNvSpPr>
+            <a:spLocks noGrp="1"/>
+          </p:cNvSpPr>
+          <p:nvPr>
+            <p:ph type="sldNum" sz="quarter" idx="10"/>
+          </p:nvPr>
+        </p:nvSpPr>
+        <p:spPr/>
+        <p:txBody>
+          <a:bodyPr/>
+          <a:lstStyle/>
+          <a:p>
+            <a:fld id="{9B36A9F9-031C-AA49-BE4B-FD997E988815}" type="slidenum">
+              <a:rPr lang="en-US" smtClean="0"/>
+              <a:t>13</a:t>
+            </a:fld>
+            <a:endParaRPr lang="en-US"/>
+          </a:p>
+        </p:txBody>
+      </p:sp>
+    </p:spTree>
+    <p:extLst>
+      <p:ext uri="{BB962C8B-B14F-4D97-AF65-F5344CB8AC3E}">
+        <p14:creationId xmlns:p14="http://schemas.microsoft.com/office/powerpoint/2010/main" val="3395711368"/>
+      </p:ext>
+    </p:extLst>
+  </p:cSld>
+  <p:clrMapOvr>
+    <a:masterClrMapping/>
+  </p:clrMapOvr>
+</p:notes>
+</file>
+
+<file path=ppt/notesSlides/notesSlide13.xml><?xml version="1.0" encoding="utf-8"?>
+<p:notes xmlns:a="http://schemas.openxmlformats.org/drawingml/2006/main" xmlns:r="http://schemas.openxmlformats.org/officeDocument/2006/relationships" xmlns:p="http://schemas.openxmlformats.org/presentationml/2006/main">
+  <p:cSld>
+    <p:spTree>
+      <p:nvGrpSpPr>
+        <p:cNvPr id="1" name=""/>
+        <p:cNvGrpSpPr/>
+        <p:nvPr/>
+      </p:nvGrpSpPr>
+      <p:grpSpPr>
+        <a:xfrm>
+          <a:off x="0" y="0"/>
+          <a:ext cx="0" cy="0"/>
+          <a:chOff x="0" y="0"/>
+          <a:chExt cx="0" cy="0"/>
+        </a:xfrm>
+      </p:grpSpPr>
+      <p:sp>
+        <p:nvSpPr>
+          <p:cNvPr id="2" name="Slide Image Placeholder 1"/>
+          <p:cNvSpPr>
+            <a:spLocks noGrp="1" noRot="1" noChangeAspect="1"/>
+          </p:cNvSpPr>
+          <p:nvPr>
+            <p:ph type="sldImg"/>
+          </p:nvPr>
+        </p:nvSpPr>
+        <p:spPr/>
+      </p:sp>
+      <p:sp>
+        <p:nvSpPr>
+          <p:cNvPr id="3" name="Notes Placeholder 2"/>
+          <p:cNvSpPr>
+            <a:spLocks noGrp="1"/>
+          </p:cNvSpPr>
+          <p:nvPr>
+            <p:ph type="body" idx="1"/>
+          </p:nvPr>
+        </p:nvSpPr>
+        <p:spPr/>
+        <p:txBody>
+          <a:bodyPr/>
+          <a:lstStyle/>
+          <a:p>
+            <a:endParaRPr lang="en-US" dirty="0" smtClean="0"/>
+          </a:p>
+        </p:txBody>
+      </p:sp>
+      <p:sp>
+        <p:nvSpPr>
+          <p:cNvPr id="4" name="Slide Number Placeholder 3"/>
+          <p:cNvSpPr>
+            <a:spLocks noGrp="1"/>
+          </p:cNvSpPr>
+          <p:nvPr>
+            <p:ph type="sldNum" sz="quarter" idx="10"/>
+          </p:nvPr>
+        </p:nvSpPr>
+        <p:spPr/>
+        <p:txBody>
+          <a:bodyPr/>
+          <a:lstStyle/>
+          <a:p>
+            <a:fld id="{9B36A9F9-031C-AA49-BE4B-FD997E988815}" type="slidenum">
+              <a:rPr lang="en-US" smtClean="0"/>
+              <a:t>14</a:t>
+            </a:fld>
+            <a:endParaRPr lang="en-US"/>
+          </a:p>
+        </p:txBody>
+      </p:sp>
+    </p:spTree>
+    <p:extLst>
+      <p:ext uri="{BB962C8B-B14F-4D97-AF65-F5344CB8AC3E}">
+        <p14:creationId xmlns:p14="http://schemas.microsoft.com/office/powerpoint/2010/main" val="3395711368"/>
+      </p:ext>
+    </p:extLst>
+  </p:cSld>
+  <p:clrMapOvr>
+    <a:masterClrMapping/>
+  </p:clrMapOvr>
+</p:notes>
+</file>
+
+<file path=ppt/notesSlides/notesSlide14.xml><?xml version="1.0" encoding="utf-8"?>
+<p:notes xmlns:a="http://schemas.openxmlformats.org/drawingml/2006/main" xmlns:r="http://schemas.openxmlformats.org/officeDocument/2006/relationships" xmlns:p="http://schemas.openxmlformats.org/presentationml/2006/main">
+  <p:cSld>
+    <p:spTree>
+      <p:nvGrpSpPr>
+        <p:cNvPr id="1" name=""/>
+        <p:cNvGrpSpPr/>
+        <p:nvPr/>
+      </p:nvGrpSpPr>
+      <p:grpSpPr>
+        <a:xfrm>
+          <a:off x="0" y="0"/>
+          <a:ext cx="0" cy="0"/>
+          <a:chOff x="0" y="0"/>
+          <a:chExt cx="0" cy="0"/>
+        </a:xfrm>
+      </p:grpSpPr>
+      <p:sp>
+        <p:nvSpPr>
+          <p:cNvPr id="2" name="Slide Image Placeholder 1"/>
+          <p:cNvSpPr>
+            <a:spLocks noGrp="1" noRot="1" noChangeAspect="1"/>
+          </p:cNvSpPr>
+          <p:nvPr>
+            <p:ph type="sldImg"/>
+          </p:nvPr>
+        </p:nvSpPr>
+        <p:spPr/>
+      </p:sp>
+      <p:sp>
+        <p:nvSpPr>
+          <p:cNvPr id="3" name="Notes Placeholder 2"/>
+          <p:cNvSpPr>
+            <a:spLocks noGrp="1"/>
+          </p:cNvSpPr>
+          <p:nvPr>
+            <p:ph type="body" idx="1"/>
+          </p:nvPr>
+        </p:nvSpPr>
+        <p:spPr/>
+        <p:txBody>
+          <a:bodyPr/>
+          <a:lstStyle/>
+          <a:p>
+            <a:r>
+              <a:rPr lang="en-US" dirty="0" smtClean="0"/>
+              <a:t>Plat</a:t>
+            </a:r>
+            <a:r>
+              <a:rPr lang="en-US" baseline="0" dirty="0" smtClean="0"/>
+              <a:t>e background and text color.</a:t>
+            </a:r>
+          </a:p>
+          <a:p>
+            <a:endParaRPr lang="en-US" baseline="0" dirty="0" smtClean="0"/>
+          </a:p>
+          <a:p>
+            <a:endParaRPr lang="en-US" dirty="0" smtClean="0"/>
+          </a:p>
+        </p:txBody>
+      </p:sp>
+      <p:sp>
+        <p:nvSpPr>
+          <p:cNvPr id="4" name="Slide Number Placeholder 3"/>
+          <p:cNvSpPr>
+            <a:spLocks noGrp="1"/>
+          </p:cNvSpPr>
+          <p:nvPr>
+            <p:ph type="sldNum" sz="quarter" idx="10"/>
+          </p:nvPr>
+        </p:nvSpPr>
+        <p:spPr/>
+        <p:txBody>
+          <a:bodyPr/>
+          <a:lstStyle/>
+          <a:p>
+            <a:fld id="{9B36A9F9-031C-AA49-BE4B-FD997E988815}" type="slidenum">
+              <a:rPr lang="en-US" smtClean="0"/>
+              <a:t>15</a:t>
+            </a:fld>
+            <a:endParaRPr lang="en-US"/>
+          </a:p>
+        </p:txBody>
+      </p:sp>
+    </p:spTree>
+    <p:extLst>
+      <p:ext uri="{BB962C8B-B14F-4D97-AF65-F5344CB8AC3E}">
+        <p14:creationId xmlns:p14="http://schemas.microsoft.com/office/powerpoint/2010/main" val="3395711368"/>
+      </p:ext>
+    </p:extLst>
+  </p:cSld>
+  <p:clrMapOvr>
+    <a:masterClrMapping/>
+  </p:clrMapOvr>
+</p:notes>
+</file>
+
+<file path=ppt/notesSlides/notesSlide15.xml><?xml version="1.0" encoding="utf-8"?>
+<p:notes xmlns:a="http://schemas.openxmlformats.org/drawingml/2006/main" xmlns:r="http://schemas.openxmlformats.org/officeDocument/2006/relationships" xmlns:p="http://schemas.openxmlformats.org/presentationml/2006/main">
+  <p:cSld>
+    <p:spTree>
+      <p:nvGrpSpPr>
+        <p:cNvPr id="1" name=""/>
+        <p:cNvGrpSpPr/>
+        <p:nvPr/>
+      </p:nvGrpSpPr>
+      <p:grpSpPr>
+        <a:xfrm>
+          <a:off x="0" y="0"/>
+          <a:ext cx="0" cy="0"/>
+          <a:chOff x="0" y="0"/>
+          <a:chExt cx="0" cy="0"/>
+        </a:xfrm>
+      </p:grpSpPr>
+      <p:sp>
+        <p:nvSpPr>
+          <p:cNvPr id="2" name="Slide Image Placeholder 1"/>
+          <p:cNvSpPr>
+            <a:spLocks noGrp="1" noRot="1" noChangeAspect="1"/>
+          </p:cNvSpPr>
+          <p:nvPr>
+            <p:ph type="sldImg"/>
+          </p:nvPr>
+        </p:nvSpPr>
+        <p:spPr/>
+      </p:sp>
+      <p:sp>
+        <p:nvSpPr>
+          <p:cNvPr id="3" name="Notes Placeholder 2"/>
+          <p:cNvSpPr>
+            <a:spLocks noGrp="1"/>
+          </p:cNvSpPr>
+          <p:nvPr>
+            <p:ph type="body" idx="1"/>
+          </p:nvPr>
+        </p:nvSpPr>
+        <p:spPr/>
+        <p:txBody>
+          <a:bodyPr/>
+          <a:lstStyle/>
+          <a:p>
+            <a:r>
+              <a:rPr lang="en-US" dirty="0" smtClean="0"/>
+              <a:t>Dark blue</a:t>
+            </a:r>
+          </a:p>
+          <a:p>
+            <a:r>
+              <a:rPr lang="en-US" baseline="0" dirty="0" smtClean="0"/>
+              <a:t>Blue</a:t>
+            </a:r>
+          </a:p>
+          <a:p>
+            <a:r>
+              <a:rPr lang="en-US" baseline="0" dirty="0" smtClean="0"/>
+              <a:t>Light Blue</a:t>
+            </a:r>
+          </a:p>
+          <a:p>
+            <a:r>
+              <a:rPr lang="en-US" baseline="0" dirty="0" smtClean="0"/>
+              <a:t>Dark Yellow</a:t>
+            </a:r>
+          </a:p>
+          <a:p>
+            <a:r>
+              <a:rPr lang="en-US" baseline="0" dirty="0" smtClean="0"/>
+              <a:t>Yellow</a:t>
+            </a:r>
+          </a:p>
+          <a:p>
+            <a:r>
+              <a:rPr lang="en-US" baseline="0" dirty="0" smtClean="0"/>
+              <a:t>Light Yellow</a:t>
+            </a:r>
+          </a:p>
+          <a:p>
+            <a:r>
+              <a:rPr lang="en-US" baseline="0" dirty="0" smtClean="0"/>
+              <a:t>Dark black</a:t>
+            </a:r>
+          </a:p>
+          <a:p>
+            <a:r>
+              <a:rPr lang="en-US" baseline="0" dirty="0" smtClean="0"/>
+              <a:t>Black</a:t>
+            </a:r>
+          </a:p>
+          <a:p>
+            <a:r>
+              <a:rPr lang="en-US" baseline="0" dirty="0" smtClean="0"/>
+              <a:t>Gray Black</a:t>
+            </a:r>
+          </a:p>
+          <a:p>
+            <a:r>
+              <a:rPr lang="en-US" baseline="0" dirty="0" smtClean="0"/>
+              <a:t>Gray White</a:t>
+            </a:r>
+          </a:p>
+          <a:p>
+            <a:r>
+              <a:rPr lang="en-US" baseline="0" dirty="0" smtClean="0"/>
+              <a:t>White</a:t>
+            </a:r>
+          </a:p>
+          <a:p>
+            <a:r>
+              <a:rPr lang="en-US" baseline="0" dirty="0" smtClean="0"/>
+              <a:t>Light White</a:t>
+            </a:r>
+          </a:p>
+          <a:p>
+            <a:r>
+              <a:rPr lang="en-US" baseline="0" dirty="0" smtClean="0"/>
+              <a:t>Other</a:t>
+            </a:r>
+          </a:p>
+          <a:p>
+            <a:endParaRPr lang="en-US" baseline="0" dirty="0" smtClean="0"/>
+          </a:p>
+          <a:p>
+            <a:endParaRPr lang="en-US" dirty="0" smtClean="0"/>
+          </a:p>
+        </p:txBody>
+      </p:sp>
+      <p:sp>
+        <p:nvSpPr>
+          <p:cNvPr id="4" name="Slide Number Placeholder 3"/>
+          <p:cNvSpPr>
+            <a:spLocks noGrp="1"/>
+          </p:cNvSpPr>
+          <p:nvPr>
+            <p:ph type="sldNum" sz="quarter" idx="10"/>
+          </p:nvPr>
+        </p:nvSpPr>
+        <p:spPr/>
+        <p:txBody>
+          <a:bodyPr/>
+          <a:lstStyle/>
+          <a:p>
+            <a:fld id="{9B36A9F9-031C-AA49-BE4B-FD997E988815}" type="slidenum">
+              <a:rPr lang="en-US" smtClean="0"/>
+              <a:t>16</a:t>
+            </a:fld>
+            <a:endParaRPr lang="en-US"/>
+          </a:p>
+        </p:txBody>
+      </p:sp>
+    </p:spTree>
+    <p:extLst>
+      <p:ext uri="{BB962C8B-B14F-4D97-AF65-F5344CB8AC3E}">
+        <p14:creationId xmlns:p14="http://schemas.microsoft.com/office/powerpoint/2010/main" val="3395711368"/>
+      </p:ext>
+    </p:extLst>
+  </p:cSld>
+  <p:clrMapOvr>
+    <a:masterClrMapping/>
+  </p:clrMapOvr>
+</p:notes>
+</file>
+
+<file path=ppt/notesSlides/notesSlide16.xml><?xml version="1.0" encoding="utf-8"?>
+<p:notes xmlns:a="http://schemas.openxmlformats.org/drawingml/2006/main" xmlns:r="http://schemas.openxmlformats.org/officeDocument/2006/relationships" xmlns:p="http://schemas.openxmlformats.org/presentationml/2006/main">
+  <p:cSld>
+    <p:spTree>
+      <p:nvGrpSpPr>
+        <p:cNvPr id="1" name=""/>
+        <p:cNvGrpSpPr/>
+        <p:nvPr/>
+      </p:nvGrpSpPr>
+      <p:grpSpPr>
+        <a:xfrm>
+          <a:off x="0" y="0"/>
+          <a:ext cx="0" cy="0"/>
+          <a:chOff x="0" y="0"/>
+          <a:chExt cx="0" cy="0"/>
+        </a:xfrm>
+      </p:grpSpPr>
+      <p:sp>
+        <p:nvSpPr>
+          <p:cNvPr id="2" name="Slide Image Placeholder 1"/>
+          <p:cNvSpPr>
+            <a:spLocks noGrp="1" noRot="1" noChangeAspect="1"/>
+          </p:cNvSpPr>
+          <p:nvPr>
+            <p:ph type="sldImg"/>
+          </p:nvPr>
+        </p:nvSpPr>
+        <p:spPr/>
+      </p:sp>
+      <p:sp>
+        <p:nvSpPr>
+          <p:cNvPr id="3" name="Notes Placeholder 2"/>
+          <p:cNvSpPr>
+            <a:spLocks noGrp="1"/>
+          </p:cNvSpPr>
+          <p:nvPr>
+            <p:ph type="body" idx="1"/>
+          </p:nvPr>
+        </p:nvSpPr>
+        <p:spPr/>
+        <p:txBody>
+          <a:bodyPr/>
+          <a:lstStyle/>
+          <a:p>
+            <a:r>
+              <a:rPr lang="en-US" dirty="0" smtClean="0"/>
+              <a:t>Dark blue</a:t>
+            </a:r>
+          </a:p>
+          <a:p>
+            <a:r>
+              <a:rPr lang="en-US" baseline="0" dirty="0" smtClean="0"/>
+              <a:t>Blue</a:t>
+            </a:r>
+          </a:p>
+          <a:p>
+            <a:r>
+              <a:rPr lang="en-US" baseline="0" dirty="0" smtClean="0"/>
+              <a:t>Light Blue</a:t>
+            </a:r>
+          </a:p>
+          <a:p>
+            <a:r>
+              <a:rPr lang="en-US" baseline="0" dirty="0" smtClean="0"/>
+              <a:t>Dark Yellow</a:t>
+            </a:r>
+          </a:p>
+          <a:p>
+            <a:r>
+              <a:rPr lang="en-US" baseline="0" dirty="0" smtClean="0"/>
+              <a:t>Yellow</a:t>
+            </a:r>
+          </a:p>
+          <a:p>
+            <a:r>
+              <a:rPr lang="en-US" baseline="0" dirty="0" smtClean="0"/>
+              <a:t>Light Yellow</a:t>
+            </a:r>
+          </a:p>
+          <a:p>
+            <a:r>
+              <a:rPr lang="en-US" baseline="0" dirty="0" smtClean="0"/>
+              <a:t>Dark black</a:t>
+            </a:r>
+          </a:p>
+          <a:p>
+            <a:r>
+              <a:rPr lang="en-US" baseline="0" dirty="0" smtClean="0"/>
+              <a:t>Black</a:t>
+            </a:r>
+          </a:p>
+          <a:p>
+            <a:r>
+              <a:rPr lang="en-US" baseline="0" dirty="0" smtClean="0"/>
+              <a:t>Gray Black</a:t>
+            </a:r>
+          </a:p>
+          <a:p>
+            <a:r>
+              <a:rPr lang="en-US" baseline="0" dirty="0" smtClean="0"/>
+              <a:t>Gray White</a:t>
+            </a:r>
+          </a:p>
+          <a:p>
+            <a:r>
+              <a:rPr lang="en-US" baseline="0" dirty="0" smtClean="0"/>
+              <a:t>White</a:t>
+            </a:r>
+          </a:p>
+          <a:p>
+            <a:r>
+              <a:rPr lang="en-US" baseline="0" dirty="0" smtClean="0"/>
+              <a:t>Light White</a:t>
+            </a:r>
+          </a:p>
+          <a:p>
+            <a:r>
+              <a:rPr lang="en-US" baseline="0" dirty="0" smtClean="0"/>
+              <a:t>Other</a:t>
+            </a:r>
+          </a:p>
+          <a:p>
+            <a:endParaRPr lang="en-US" baseline="0" dirty="0" smtClean="0"/>
+          </a:p>
+          <a:p>
+            <a:endParaRPr lang="en-US" dirty="0" smtClean="0"/>
+          </a:p>
+        </p:txBody>
+      </p:sp>
+      <p:sp>
+        <p:nvSpPr>
+          <p:cNvPr id="4" name="Slide Number Placeholder 3"/>
+          <p:cNvSpPr>
+            <a:spLocks noGrp="1"/>
+          </p:cNvSpPr>
+          <p:nvPr>
+            <p:ph type="sldNum" sz="quarter" idx="10"/>
+          </p:nvPr>
+        </p:nvSpPr>
+        <p:spPr/>
+        <p:txBody>
+          <a:bodyPr/>
+          <a:lstStyle/>
+          <a:p>
+            <a:fld id="{9B36A9F9-031C-AA49-BE4B-FD997E988815}" type="slidenum">
+              <a:rPr lang="en-US" smtClean="0"/>
+              <a:t>17</a:t>
+            </a:fld>
+            <a:endParaRPr lang="en-US"/>
+          </a:p>
+        </p:txBody>
+      </p:sp>
+    </p:spTree>
+    <p:extLst>
+      <p:ext uri="{BB962C8B-B14F-4D97-AF65-F5344CB8AC3E}">
+        <p14:creationId xmlns:p14="http://schemas.microsoft.com/office/powerpoint/2010/main" val="3395711368"/>
+      </p:ext>
+    </p:extLst>
+  </p:cSld>
+  <p:clrMapOvr>
+    <a:masterClrMapping/>
+  </p:clrMapOvr>
+</p:notes>
+</file>
+
+<file path=ppt/notesSlides/notesSlide17.xml><?xml version="1.0" encoding="utf-8"?>
+<p:notes xmlns:a="http://schemas.openxmlformats.org/drawingml/2006/main" xmlns:r="http://schemas.openxmlformats.org/officeDocument/2006/relationships" xmlns:p="http://schemas.openxmlformats.org/presentationml/2006/main">
+  <p:cSld>
+    <p:spTree>
+      <p:nvGrpSpPr>
+        <p:cNvPr id="1" name=""/>
+        <p:cNvGrpSpPr/>
+        <p:nvPr/>
+      </p:nvGrpSpPr>
+      <p:grpSpPr>
+        <a:xfrm>
+          <a:off x="0" y="0"/>
+          <a:ext cx="0" cy="0"/>
+          <a:chOff x="0" y="0"/>
+          <a:chExt cx="0" cy="0"/>
+        </a:xfrm>
+      </p:grpSpPr>
+      <p:sp>
+        <p:nvSpPr>
+          <p:cNvPr id="2" name="Slide Image Placeholder 1"/>
+          <p:cNvSpPr>
+            <a:spLocks noGrp="1" noRot="1" noChangeAspect="1"/>
+          </p:cNvSpPr>
+          <p:nvPr>
+            <p:ph type="sldImg"/>
+          </p:nvPr>
+        </p:nvSpPr>
+        <p:spPr/>
+      </p:sp>
+      <p:sp>
+        <p:nvSpPr>
+          <p:cNvPr id="3" name="Notes Placeholder 2"/>
+          <p:cNvSpPr>
+            <a:spLocks noGrp="1"/>
+          </p:cNvSpPr>
+          <p:nvPr>
+            <p:ph type="body" idx="1"/>
+          </p:nvPr>
+        </p:nvSpPr>
+        <p:spPr/>
+        <p:txBody>
+          <a:bodyPr/>
+          <a:lstStyle/>
+          <a:p>
+            <a:pPr marL="228600" indent="-228600">
+              <a:buAutoNum type="arabicParenR"/>
+            </a:pPr>
+            <a:r>
+              <a:rPr lang="en-US" baseline="0" dirty="0" smtClean="0"/>
+              <a:t>“Bright Rectangle area within which there are some dark areas”</a:t>
+            </a:r>
+          </a:p>
+          <a:p>
+            <a:pPr marL="228600" indent="-228600">
+              <a:buAutoNum type="arabicParenR"/>
+            </a:pPr>
+            <a:r>
+              <a:rPr lang="en-US" baseline="0" dirty="0" smtClean="0"/>
+              <a:t>“Located approximately in the middle or lower middle part of the image”</a:t>
+            </a:r>
+          </a:p>
+          <a:p>
+            <a:pPr marL="228600" indent="-228600">
+              <a:buAutoNum type="arabicParenR"/>
+            </a:pPr>
+            <a:r>
+              <a:rPr lang="en-US" baseline="0" dirty="0" smtClean="0"/>
+              <a:t>“The border of the plate is bright”</a:t>
+            </a:r>
+          </a:p>
+          <a:p>
+            <a:pPr marL="228600" indent="-228600">
+              <a:buAutoNum type="arabicParenR"/>
+            </a:pPr>
+            <a:r>
+              <a:rPr lang="en-US" baseline="0" dirty="0" smtClean="0"/>
+              <a:t>“The approximate dimension of the plate is 530 x 120 mm.</a:t>
+            </a:r>
+          </a:p>
+          <a:p>
+            <a:pPr marL="228600" indent="-228600">
+              <a:buAutoNum type="arabicParenR"/>
+            </a:pPr>
+            <a:endParaRPr lang="en-US" baseline="0" dirty="0" smtClean="0"/>
+          </a:p>
+          <a:p>
+            <a:pPr marL="0" indent="0">
+              <a:buNone/>
+            </a:pPr>
+            <a:r>
+              <a:rPr lang="en-US" baseline="0" dirty="0" smtClean="0"/>
+              <a:t>Input Image = 768 x 576 pixels</a:t>
+            </a:r>
+          </a:p>
+          <a:p>
+            <a:pPr marL="0" indent="0">
+              <a:buNone/>
+            </a:pPr>
+            <a:r>
+              <a:rPr lang="en-US" baseline="0" dirty="0" smtClean="0"/>
+              <a:t>Processing time was reduced from 4s to 2s by looking at every fourth line in the image.</a:t>
+            </a:r>
+          </a:p>
+          <a:p>
+            <a:pPr marL="0" indent="0">
+              <a:buNone/>
+            </a:pPr>
+            <a:endParaRPr lang="en-US" baseline="0" dirty="0" smtClean="0"/>
+          </a:p>
+          <a:p>
+            <a:pPr marL="228600" indent="-228600">
+              <a:buAutoNum type="arabicParenR"/>
+            </a:pPr>
+            <a:endParaRPr lang="en-US" baseline="0" dirty="0" smtClean="0"/>
+          </a:p>
+          <a:p>
+            <a:pPr marL="228600" indent="-228600">
+              <a:buAutoNum type="arabicParenR"/>
+            </a:pPr>
+            <a:endParaRPr lang="en-US" dirty="0" smtClean="0"/>
+          </a:p>
+        </p:txBody>
+      </p:sp>
+      <p:sp>
+        <p:nvSpPr>
+          <p:cNvPr id="4" name="Slide Number Placeholder 3"/>
+          <p:cNvSpPr>
+            <a:spLocks noGrp="1"/>
+          </p:cNvSpPr>
+          <p:nvPr>
+            <p:ph type="sldNum" sz="quarter" idx="10"/>
+          </p:nvPr>
+        </p:nvSpPr>
+        <p:spPr/>
+        <p:txBody>
+          <a:bodyPr/>
+          <a:lstStyle/>
+          <a:p>
+            <a:fld id="{9B36A9F9-031C-AA49-BE4B-FD997E988815}" type="slidenum">
+              <a:rPr lang="en-US" smtClean="0"/>
+              <a:t>18</a:t>
+            </a:fld>
+            <a:endParaRPr lang="en-US"/>
+          </a:p>
+        </p:txBody>
+      </p:sp>
+    </p:spTree>
+    <p:extLst>
+      <p:ext uri="{BB962C8B-B14F-4D97-AF65-F5344CB8AC3E}">
+        <p14:creationId xmlns:p14="http://schemas.microsoft.com/office/powerpoint/2010/main" val="3395711368"/>
+      </p:ext>
+    </p:extLst>
+  </p:cSld>
+  <p:clrMapOvr>
+    <a:masterClrMapping/>
+  </p:clrMapOvr>
+</p:notes>
+</file>
+
+<file path=ppt/notesSlides/notesSlide18.xml><?xml version="1.0" encoding="utf-8"?>
+<p:notes xmlns:a="http://schemas.openxmlformats.org/drawingml/2006/main" xmlns:r="http://schemas.openxmlformats.org/officeDocument/2006/relationships" xmlns:p="http://schemas.openxmlformats.org/presentationml/2006/main">
+  <p:cSld>
+    <p:spTree>
+      <p:nvGrpSpPr>
+        <p:cNvPr id="1" name=""/>
+        <p:cNvGrpSpPr/>
+        <p:nvPr/>
+      </p:nvGrpSpPr>
+      <p:grpSpPr>
+        <a:xfrm>
+          <a:off x="0" y="0"/>
+          <a:ext cx="0" cy="0"/>
+          <a:chOff x="0" y="0"/>
+          <a:chExt cx="0" cy="0"/>
+        </a:xfrm>
+      </p:grpSpPr>
+      <p:sp>
+        <p:nvSpPr>
+          <p:cNvPr id="2" name="Slide Image Placeholder 1"/>
+          <p:cNvSpPr>
+            <a:spLocks noGrp="1" noRot="1" noChangeAspect="1"/>
+          </p:cNvSpPr>
+          <p:nvPr>
+            <p:ph type="sldImg"/>
+          </p:nvPr>
+        </p:nvSpPr>
+        <p:spPr/>
+      </p:sp>
+      <p:sp>
+        <p:nvSpPr>
+          <p:cNvPr id="3" name="Notes Placeholder 2"/>
+          <p:cNvSpPr>
+            <a:spLocks noGrp="1"/>
+          </p:cNvSpPr>
+          <p:nvPr>
+            <p:ph type="body" idx="1"/>
+          </p:nvPr>
+        </p:nvSpPr>
+        <p:spPr/>
+        <p:txBody>
+          <a:bodyPr/>
+          <a:lstStyle/>
+          <a:p>
+            <a:pPr marL="0" indent="0">
+              <a:buNone/>
+            </a:pPr>
+            <a:r>
+              <a:rPr lang="en-US" baseline="0" dirty="0" smtClean="0"/>
+              <a:t>As expected, the </a:t>
+            </a:r>
+            <a:r>
+              <a:rPr lang="en-US" baseline="0" dirty="0" err="1" smtClean="0"/>
+              <a:t>expermination</a:t>
+            </a:r>
+            <a:r>
+              <a:rPr lang="en-US" baseline="0" dirty="0" smtClean="0"/>
+              <a:t> setups are well controlled to obtain predictable scene features, such as perspective, distance, background and illumination.</a:t>
+            </a:r>
+          </a:p>
+          <a:p>
+            <a:pPr marL="0" indent="0">
+              <a:buNone/>
+            </a:pPr>
+            <a:endParaRPr lang="en-US" baseline="0" dirty="0" smtClean="0"/>
+          </a:p>
+          <a:p>
+            <a:pPr marL="0" indent="0">
+              <a:buNone/>
+            </a:pPr>
+            <a:r>
+              <a:rPr lang="en-US" baseline="0" dirty="0" smtClean="0"/>
+              <a:t>Typically, IR </a:t>
+            </a:r>
+            <a:r>
+              <a:rPr lang="en-US" baseline="0" dirty="0" err="1" smtClean="0"/>
+              <a:t>auxillary</a:t>
+            </a:r>
+            <a:r>
+              <a:rPr lang="en-US" baseline="0" dirty="0" smtClean="0"/>
+              <a:t> units have been used due to the nature of LP’s </a:t>
+            </a:r>
+            <a:r>
+              <a:rPr lang="en-US" baseline="0" dirty="0" err="1" smtClean="0"/>
+              <a:t>retroreflective</a:t>
+            </a:r>
+            <a:r>
+              <a:rPr lang="en-US" baseline="0" dirty="0" smtClean="0"/>
+              <a:t> material</a:t>
+            </a:r>
+          </a:p>
+          <a:p>
+            <a:pPr marL="0" indent="0">
+              <a:buNone/>
+            </a:pPr>
+            <a:endParaRPr lang="en-US" baseline="0" dirty="0" smtClean="0"/>
+          </a:p>
+          <a:p>
+            <a:pPr marL="0" indent="0">
+              <a:buNone/>
+            </a:pPr>
+            <a:r>
+              <a:rPr lang="en-US" baseline="0" dirty="0" smtClean="0"/>
+              <a:t>Most papers have disclosed that there is always a tradeoff between detection accuracy and minimum plate resolution.</a:t>
+            </a:r>
+          </a:p>
+          <a:p>
+            <a:pPr marL="0" indent="0">
+              <a:buNone/>
+            </a:pPr>
+            <a:endParaRPr lang="en-US" baseline="0" dirty="0" smtClean="0"/>
+          </a:p>
+          <a:p>
+            <a:pPr marL="0" indent="0">
+              <a:buNone/>
+            </a:pPr>
+            <a:r>
+              <a:rPr lang="en-US" baseline="0" dirty="0" smtClean="0"/>
+              <a:t>Table 1 shows the minimum plate resolution, where the vertical resolution of the plate is between 10 to 16 pixels. Unfortunately, these dimensions are not sufficient for segmentation and extraction of characters and are only ideal for detecting where the plate exists in the image.</a:t>
+            </a:r>
+          </a:p>
+          <a:p>
+            <a:pPr marL="0" indent="0">
+              <a:buNone/>
+            </a:pPr>
+            <a:endParaRPr lang="en-US" baseline="0" dirty="0" smtClean="0"/>
+          </a:p>
+          <a:p>
+            <a:pPr marL="0" indent="0">
+              <a:buNone/>
+            </a:pPr>
+            <a:r>
+              <a:rPr lang="en-US" baseline="0" dirty="0" smtClean="0"/>
+              <a:t>Segmented and proper recognition will require vertical resolution to be between 20-40 pixels, but some papers have shown that given a sufficiently good condition LP, a height of 20-25 pixels will suffice for proper segmentation and recognition of characters.</a:t>
+            </a:r>
+          </a:p>
+          <a:p>
+            <a:pPr marL="228600" indent="-228600">
+              <a:buAutoNum type="arabicParenR"/>
+            </a:pPr>
+            <a:endParaRPr lang="en-US" baseline="0" dirty="0" smtClean="0"/>
+          </a:p>
+          <a:p>
+            <a:pPr marL="228600" indent="-228600">
+              <a:buAutoNum type="arabicParenR"/>
+            </a:pPr>
+            <a:endParaRPr lang="en-US" dirty="0" smtClean="0"/>
+          </a:p>
+        </p:txBody>
+      </p:sp>
+      <p:sp>
+        <p:nvSpPr>
+          <p:cNvPr id="4" name="Slide Number Placeholder 3"/>
+          <p:cNvSpPr>
+            <a:spLocks noGrp="1"/>
+          </p:cNvSpPr>
+          <p:nvPr>
+            <p:ph type="sldNum" sz="quarter" idx="10"/>
+          </p:nvPr>
+        </p:nvSpPr>
+        <p:spPr/>
+        <p:txBody>
+          <a:bodyPr/>
+          <a:lstStyle/>
+          <a:p>
+            <a:fld id="{9B36A9F9-031C-AA49-BE4B-FD997E988815}" type="slidenum">
+              <a:rPr lang="en-US" smtClean="0"/>
+              <a:t>19</a:t>
             </a:fld>
             <a:endParaRPr lang="en-US"/>
           </a:p>
@@ -5376,6 +6331,1362 @@
 </p:sld>
 </file>
 
+<file path=ppt/slides/slide13.xml><?xml version="1.0" encoding="utf-8"?>
+<p:sld xmlns:a="http://schemas.openxmlformats.org/drawingml/2006/main" xmlns:r="http://schemas.openxmlformats.org/officeDocument/2006/relationships" xmlns:p="http://schemas.openxmlformats.org/presentationml/2006/main">
+  <p:cSld>
+    <p:spTree>
+      <p:nvGrpSpPr>
+        <p:cNvPr id="1" name=""/>
+        <p:cNvGrpSpPr/>
+        <p:nvPr/>
+      </p:nvGrpSpPr>
+      <p:grpSpPr>
+        <a:xfrm>
+          <a:off x="0" y="0"/>
+          <a:ext cx="0" cy="0"/>
+          <a:chOff x="0" y="0"/>
+          <a:chExt cx="0" cy="0"/>
+        </a:xfrm>
+      </p:grpSpPr>
+      <p:sp>
+        <p:nvSpPr>
+          <p:cNvPr id="2" name="Title 1"/>
+          <p:cNvSpPr>
+            <a:spLocks noGrp="1"/>
+          </p:cNvSpPr>
+          <p:nvPr>
+            <p:ph type="title"/>
+          </p:nvPr>
+        </p:nvSpPr>
+        <p:spPr/>
+        <p:txBody>
+          <a:bodyPr/>
+          <a:lstStyle/>
+          <a:p>
+            <a:pPr algn="l"/>
+            <a:r>
+              <a:rPr lang="en-US" dirty="0" smtClean="0">
+                <a:solidFill>
+                  <a:srgbClr val="FF0000"/>
+                </a:solidFill>
+              </a:rPr>
+              <a:t>Image Transformation</a:t>
+            </a:r>
+            <a:endParaRPr lang="en-US" dirty="0">
+              <a:solidFill>
+                <a:srgbClr val="FF0000"/>
+              </a:solidFill>
+            </a:endParaRPr>
+          </a:p>
+        </p:txBody>
+      </p:sp>
+      <p:sp>
+        <p:nvSpPr>
+          <p:cNvPr id="5" name="Slide Number Placeholder 4"/>
+          <p:cNvSpPr>
+            <a:spLocks noGrp="1"/>
+          </p:cNvSpPr>
+          <p:nvPr>
+            <p:ph type="sldNum" sz="quarter" idx="12"/>
+          </p:nvPr>
+        </p:nvSpPr>
+        <p:spPr/>
+        <p:txBody>
+          <a:bodyPr/>
+          <a:lstStyle/>
+          <a:p>
+            <a:fld id="{ECE4E509-3089-B441-946B-1736EECD1177}" type="slidenum">
+              <a:rPr lang="en-US" smtClean="0"/>
+              <a:t>13</a:t>
+            </a:fld>
+            <a:endParaRPr lang="en-US"/>
+          </a:p>
+        </p:txBody>
+      </p:sp>
+      <p:sp>
+        <p:nvSpPr>
+          <p:cNvPr id="6" name="TextBox 5"/>
+          <p:cNvSpPr txBox="1"/>
+          <p:nvPr/>
+        </p:nvSpPr>
+        <p:spPr>
+          <a:xfrm>
+            <a:off x="765709" y="5507038"/>
+            <a:ext cx="184666" cy="369332"/>
+          </a:xfrm>
+          <a:prstGeom prst="rect">
+            <a:avLst/>
+          </a:prstGeom>
+          <a:noFill/>
+        </p:spPr>
+        <p:txBody>
+          <a:bodyPr wrap="none" rtlCol="0">
+            <a:spAutoFit/>
+          </a:bodyPr>
+          <a:lstStyle/>
+          <a:p>
+            <a:endParaRPr lang="en-US" dirty="0"/>
+          </a:p>
+        </p:txBody>
+      </p:sp>
+      <p:sp>
+        <p:nvSpPr>
+          <p:cNvPr id="9" name="Content Placeholder 2"/>
+          <p:cNvSpPr>
+            <a:spLocks noGrp="1"/>
+          </p:cNvSpPr>
+          <p:nvPr>
+            <p:ph idx="1"/>
+          </p:nvPr>
+        </p:nvSpPr>
+        <p:spPr>
+          <a:xfrm>
+            <a:off x="457200" y="1600200"/>
+            <a:ext cx="8229600" cy="4525963"/>
+          </a:xfrm>
+        </p:spPr>
+        <p:txBody>
+          <a:bodyPr>
+            <a:normAutofit/>
+          </a:bodyPr>
+          <a:lstStyle/>
+          <a:p>
+            <a:r>
+              <a:rPr lang="en-US" sz="2000" dirty="0" smtClean="0"/>
+              <a:t>A good number of papers cited use some form of image transformation</a:t>
+            </a:r>
+          </a:p>
+          <a:p>
+            <a:r>
+              <a:rPr lang="en-US" sz="2000" dirty="0" smtClean="0"/>
+              <a:t>[21] used Gabor Filters for texture analysis and reported 98% success rate for LP detection.</a:t>
+            </a:r>
+          </a:p>
+          <a:p>
+            <a:r>
+              <a:rPr lang="en-US" sz="2000" b="1" u="sng" dirty="0" smtClean="0"/>
+              <a:t>Disadvantage</a:t>
+            </a:r>
+            <a:r>
+              <a:rPr lang="en-US" sz="2000" dirty="0" smtClean="0"/>
+              <a:t>: Acquisition on fixed and specific angles with small sample images. Computationally expensive and slow.</a:t>
+            </a:r>
+          </a:p>
+          <a:p>
+            <a:endParaRPr lang="en-US" sz="2000" dirty="0"/>
+          </a:p>
+          <a:p>
+            <a:r>
+              <a:rPr lang="en-US" sz="2000" dirty="0" smtClean="0"/>
+              <a:t>[25] used a combination of Hough Transform and Contour Algorithm, which produces higher accuracy/faster computation for RT systems.</a:t>
+            </a:r>
+          </a:p>
+          <a:p>
+            <a:r>
+              <a:rPr lang="en-US" sz="2000" b="1" dirty="0" smtClean="0"/>
+              <a:t>Success Rate: </a:t>
+            </a:r>
+            <a:r>
+              <a:rPr lang="en-US" sz="2000" dirty="0" smtClean="0"/>
+              <a:t>98.8% (average)</a:t>
+            </a:r>
+          </a:p>
+          <a:p>
+            <a:r>
+              <a:rPr lang="en-US" sz="2000" b="1" u="sng" dirty="0" smtClean="0"/>
+              <a:t>Disadvantage</a:t>
+            </a:r>
+            <a:r>
+              <a:rPr lang="en-US" sz="2000" dirty="0" smtClean="0"/>
+              <a:t>: HT is also computationally expensive if used on binary images with greater number of pixels.</a:t>
+            </a:r>
+          </a:p>
+        </p:txBody>
+      </p:sp>
+    </p:spTree>
+    <p:extLst>
+      <p:ext uri="{BB962C8B-B14F-4D97-AF65-F5344CB8AC3E}">
+        <p14:creationId xmlns:p14="http://schemas.microsoft.com/office/powerpoint/2010/main" val="685142328"/>
+      </p:ext>
+    </p:extLst>
+  </p:cSld>
+  <p:clrMapOvr>
+    <a:masterClrMapping/>
+  </p:clrMapOvr>
+  <p:timing>
+    <p:tnLst>
+      <p:par>
+        <p:cTn xmlns:p14="http://schemas.microsoft.com/office/powerpoint/2010/main" id="1" dur="indefinite" restart="never" nodeType="tmRoot"/>
+      </p:par>
+    </p:tnLst>
+  </p:timing>
+</p:sld>
+</file>
+
+<file path=ppt/slides/slide14.xml><?xml version="1.0" encoding="utf-8"?>
+<p:sld xmlns:a="http://schemas.openxmlformats.org/drawingml/2006/main" xmlns:r="http://schemas.openxmlformats.org/officeDocument/2006/relationships" xmlns:p="http://schemas.openxmlformats.org/presentationml/2006/main">
+  <p:cSld>
+    <p:spTree>
+      <p:nvGrpSpPr>
+        <p:cNvPr id="1" name=""/>
+        <p:cNvGrpSpPr/>
+        <p:nvPr/>
+      </p:nvGrpSpPr>
+      <p:grpSpPr>
+        <a:xfrm>
+          <a:off x="0" y="0"/>
+          <a:ext cx="0" cy="0"/>
+          <a:chOff x="0" y="0"/>
+          <a:chExt cx="0" cy="0"/>
+        </a:xfrm>
+      </p:grpSpPr>
+      <p:sp>
+        <p:nvSpPr>
+          <p:cNvPr id="2" name="Title 1"/>
+          <p:cNvSpPr>
+            <a:spLocks noGrp="1"/>
+          </p:cNvSpPr>
+          <p:nvPr>
+            <p:ph type="title"/>
+          </p:nvPr>
+        </p:nvSpPr>
+        <p:spPr/>
+        <p:txBody>
+          <a:bodyPr/>
+          <a:lstStyle/>
+          <a:p>
+            <a:pPr algn="l"/>
+            <a:r>
+              <a:rPr lang="en-US" dirty="0" smtClean="0">
+                <a:solidFill>
+                  <a:srgbClr val="FF0000"/>
+                </a:solidFill>
+              </a:rPr>
+              <a:t>Image Transformation</a:t>
+            </a:r>
+            <a:endParaRPr lang="en-US" dirty="0">
+              <a:solidFill>
+                <a:srgbClr val="FF0000"/>
+              </a:solidFill>
+            </a:endParaRPr>
+          </a:p>
+        </p:txBody>
+      </p:sp>
+      <p:sp>
+        <p:nvSpPr>
+          <p:cNvPr id="5" name="Slide Number Placeholder 4"/>
+          <p:cNvSpPr>
+            <a:spLocks noGrp="1"/>
+          </p:cNvSpPr>
+          <p:nvPr>
+            <p:ph type="sldNum" sz="quarter" idx="12"/>
+          </p:nvPr>
+        </p:nvSpPr>
+        <p:spPr/>
+        <p:txBody>
+          <a:bodyPr/>
+          <a:lstStyle/>
+          <a:p>
+            <a:fld id="{ECE4E509-3089-B441-946B-1736EECD1177}" type="slidenum">
+              <a:rPr lang="en-US" smtClean="0"/>
+              <a:t>14</a:t>
+            </a:fld>
+            <a:endParaRPr lang="en-US"/>
+          </a:p>
+        </p:txBody>
+      </p:sp>
+      <p:sp>
+        <p:nvSpPr>
+          <p:cNvPr id="6" name="TextBox 5"/>
+          <p:cNvSpPr txBox="1"/>
+          <p:nvPr/>
+        </p:nvSpPr>
+        <p:spPr>
+          <a:xfrm>
+            <a:off x="765709" y="5507038"/>
+            <a:ext cx="184666" cy="369332"/>
+          </a:xfrm>
+          <a:prstGeom prst="rect">
+            <a:avLst/>
+          </a:prstGeom>
+          <a:noFill/>
+        </p:spPr>
+        <p:txBody>
+          <a:bodyPr wrap="none" rtlCol="0">
+            <a:spAutoFit/>
+          </a:bodyPr>
+          <a:lstStyle/>
+          <a:p>
+            <a:endParaRPr lang="en-US" dirty="0"/>
+          </a:p>
+        </p:txBody>
+      </p:sp>
+      <p:sp>
+        <p:nvSpPr>
+          <p:cNvPr id="9" name="Content Placeholder 2"/>
+          <p:cNvSpPr>
+            <a:spLocks noGrp="1"/>
+          </p:cNvSpPr>
+          <p:nvPr>
+            <p:ph idx="1"/>
+          </p:nvPr>
+        </p:nvSpPr>
+        <p:spPr>
+          <a:xfrm>
+            <a:off x="457200" y="1600200"/>
+            <a:ext cx="8229600" cy="4525963"/>
+          </a:xfrm>
+        </p:spPr>
+        <p:txBody>
+          <a:bodyPr>
+            <a:normAutofit/>
+          </a:bodyPr>
+          <a:lstStyle/>
+          <a:p>
+            <a:r>
+              <a:rPr lang="en-US" sz="2000" dirty="0" smtClean="0"/>
+              <a:t>Wavelet Transform for extracting important contrast features.</a:t>
+            </a:r>
+          </a:p>
+          <a:p>
+            <a:r>
+              <a:rPr lang="en-US" sz="2000" dirty="0" err="1" smtClean="0"/>
+              <a:t>Subimage</a:t>
+            </a:r>
+            <a:r>
+              <a:rPr lang="en-US" sz="2000" dirty="0" smtClean="0"/>
+              <a:t> divided into 4 regions: (LL,LH, HL,HH)</a:t>
+            </a:r>
+          </a:p>
+          <a:p>
+            <a:r>
+              <a:rPr lang="en-US" sz="2000" b="1" dirty="0" smtClean="0"/>
+              <a:t>Success Rate</a:t>
+            </a:r>
+            <a:r>
+              <a:rPr lang="en-US" sz="2000" dirty="0" smtClean="0"/>
+              <a:t>: 92.4%</a:t>
+            </a:r>
+          </a:p>
+          <a:p>
+            <a:r>
+              <a:rPr lang="en-US" sz="2000" b="1" u="sng" dirty="0" smtClean="0"/>
+              <a:t>Disadvantage</a:t>
+            </a:r>
+            <a:r>
+              <a:rPr lang="en-US" sz="2000" dirty="0" smtClean="0"/>
+              <a:t>: Unreliable when the distance between the vehicle and camera is too close/far.</a:t>
+            </a:r>
+          </a:p>
+          <a:p>
+            <a:endParaRPr lang="en-US" sz="2000" dirty="0"/>
+          </a:p>
+        </p:txBody>
+      </p:sp>
+      <p:pic>
+        <p:nvPicPr>
+          <p:cNvPr id="3" name="Picture 2"/>
+          <p:cNvPicPr>
+            <a:picLocks noChangeAspect="1"/>
+          </p:cNvPicPr>
+          <p:nvPr/>
+        </p:nvPicPr>
+        <p:blipFill>
+          <a:blip r:embed="rId3"/>
+          <a:stretch>
+            <a:fillRect/>
+          </a:stretch>
+        </p:blipFill>
+        <p:spPr>
+          <a:xfrm>
+            <a:off x="3691466" y="3109771"/>
+            <a:ext cx="4605867" cy="3016391"/>
+          </a:xfrm>
+          <a:prstGeom prst="rect">
+            <a:avLst/>
+          </a:prstGeom>
+        </p:spPr>
+      </p:pic>
+      <p:sp>
+        <p:nvSpPr>
+          <p:cNvPr id="7" name="TextBox 6"/>
+          <p:cNvSpPr txBox="1"/>
+          <p:nvPr/>
+        </p:nvSpPr>
+        <p:spPr>
+          <a:xfrm>
+            <a:off x="711200" y="6225545"/>
+            <a:ext cx="7484533" cy="261610"/>
+          </a:xfrm>
+          <a:prstGeom prst="rect">
+            <a:avLst/>
+          </a:prstGeom>
+          <a:noFill/>
+        </p:spPr>
+        <p:txBody>
+          <a:bodyPr wrap="square" rtlCol="0">
+            <a:spAutoFit/>
+          </a:bodyPr>
+          <a:lstStyle/>
+          <a:p>
+            <a:pPr algn="ctr"/>
+            <a:r>
+              <a:rPr lang="en-US" sz="1100" b="1" dirty="0" smtClean="0"/>
+              <a:t>Image taken from: </a:t>
+            </a:r>
+            <a:r>
+              <a:rPr lang="en-US" sz="1100" b="1" dirty="0" err="1" smtClean="0"/>
+              <a:t>Anagnostopoulos</a:t>
+            </a:r>
+            <a:r>
+              <a:rPr lang="en-US" sz="1100" b="1" dirty="0" smtClean="0"/>
+              <a:t> et al. License Plate Recognition From Still Images and Video Sequences 2008</a:t>
+            </a:r>
+            <a:endParaRPr lang="en-US" sz="1100" b="1" dirty="0"/>
+          </a:p>
+        </p:txBody>
+      </p:sp>
+    </p:spTree>
+    <p:extLst>
+      <p:ext uri="{BB962C8B-B14F-4D97-AF65-F5344CB8AC3E}">
+        <p14:creationId xmlns:p14="http://schemas.microsoft.com/office/powerpoint/2010/main" val="3407017909"/>
+      </p:ext>
+    </p:extLst>
+  </p:cSld>
+  <p:clrMapOvr>
+    <a:masterClrMapping/>
+  </p:clrMapOvr>
+  <p:timing>
+    <p:tnLst>
+      <p:par>
+        <p:cTn xmlns:p14="http://schemas.microsoft.com/office/powerpoint/2010/main" id="1" dur="indefinite" restart="never" nodeType="tmRoot"/>
+      </p:par>
+    </p:tnLst>
+  </p:timing>
+</p:sld>
+</file>
+
+<file path=ppt/slides/slide15.xml><?xml version="1.0" encoding="utf-8"?>
+<p:sld xmlns:a="http://schemas.openxmlformats.org/drawingml/2006/main" xmlns:r="http://schemas.openxmlformats.org/officeDocument/2006/relationships" xmlns:p="http://schemas.openxmlformats.org/presentationml/2006/main">
+  <p:cSld>
+    <p:spTree>
+      <p:nvGrpSpPr>
+        <p:cNvPr id="1" name=""/>
+        <p:cNvGrpSpPr/>
+        <p:nvPr/>
+      </p:nvGrpSpPr>
+      <p:grpSpPr>
+        <a:xfrm>
+          <a:off x="0" y="0"/>
+          <a:ext cx="0" cy="0"/>
+          <a:chOff x="0" y="0"/>
+          <a:chExt cx="0" cy="0"/>
+        </a:xfrm>
+      </p:grpSpPr>
+      <p:sp>
+        <p:nvSpPr>
+          <p:cNvPr id="2" name="Title 1"/>
+          <p:cNvSpPr>
+            <a:spLocks noGrp="1"/>
+          </p:cNvSpPr>
+          <p:nvPr>
+            <p:ph type="title"/>
+          </p:nvPr>
+        </p:nvSpPr>
+        <p:spPr/>
+        <p:txBody>
+          <a:bodyPr/>
+          <a:lstStyle/>
+          <a:p>
+            <a:pPr algn="l"/>
+            <a:r>
+              <a:rPr lang="en-US" dirty="0" smtClean="0">
+                <a:solidFill>
+                  <a:srgbClr val="FF0000"/>
+                </a:solidFill>
+              </a:rPr>
+              <a:t>Color Processing</a:t>
+            </a:r>
+            <a:endParaRPr lang="en-US" dirty="0">
+              <a:solidFill>
+                <a:srgbClr val="FF0000"/>
+              </a:solidFill>
+            </a:endParaRPr>
+          </a:p>
+        </p:txBody>
+      </p:sp>
+      <p:sp>
+        <p:nvSpPr>
+          <p:cNvPr id="5" name="Slide Number Placeholder 4"/>
+          <p:cNvSpPr>
+            <a:spLocks noGrp="1"/>
+          </p:cNvSpPr>
+          <p:nvPr>
+            <p:ph type="sldNum" sz="quarter" idx="12"/>
+          </p:nvPr>
+        </p:nvSpPr>
+        <p:spPr/>
+        <p:txBody>
+          <a:bodyPr/>
+          <a:lstStyle/>
+          <a:p>
+            <a:fld id="{ECE4E509-3089-B441-946B-1736EECD1177}" type="slidenum">
+              <a:rPr lang="en-US" smtClean="0"/>
+              <a:t>15</a:t>
+            </a:fld>
+            <a:endParaRPr lang="en-US"/>
+          </a:p>
+        </p:txBody>
+      </p:sp>
+      <p:sp>
+        <p:nvSpPr>
+          <p:cNvPr id="6" name="TextBox 5"/>
+          <p:cNvSpPr txBox="1"/>
+          <p:nvPr/>
+        </p:nvSpPr>
+        <p:spPr>
+          <a:xfrm>
+            <a:off x="765709" y="5507038"/>
+            <a:ext cx="184666" cy="369332"/>
+          </a:xfrm>
+          <a:prstGeom prst="rect">
+            <a:avLst/>
+          </a:prstGeom>
+          <a:noFill/>
+        </p:spPr>
+        <p:txBody>
+          <a:bodyPr wrap="none" rtlCol="0">
+            <a:spAutoFit/>
+          </a:bodyPr>
+          <a:lstStyle/>
+          <a:p>
+            <a:endParaRPr lang="en-US" dirty="0"/>
+          </a:p>
+        </p:txBody>
+      </p:sp>
+      <p:sp>
+        <p:nvSpPr>
+          <p:cNvPr id="9" name="Content Placeholder 2"/>
+          <p:cNvSpPr>
+            <a:spLocks noGrp="1"/>
+          </p:cNvSpPr>
+          <p:nvPr>
+            <p:ph idx="1"/>
+          </p:nvPr>
+        </p:nvSpPr>
+        <p:spPr>
+          <a:xfrm>
+            <a:off x="457200" y="1600200"/>
+            <a:ext cx="8229600" cy="4525963"/>
+          </a:xfrm>
+        </p:spPr>
+        <p:txBody>
+          <a:bodyPr>
+            <a:normAutofit fontScale="70000" lnSpcReduction="20000"/>
+          </a:bodyPr>
+          <a:lstStyle/>
+          <a:p>
+            <a:r>
+              <a:rPr lang="en-US" sz="4000" dirty="0" smtClean="0"/>
+              <a:t>Techniques make use of expected plate appearance in each country.</a:t>
+            </a:r>
+          </a:p>
+          <a:p>
+            <a:r>
+              <a:rPr lang="en-US" sz="4000" dirty="0" smtClean="0"/>
+              <a:t>Unreliable due to how natural scenery can change color when lighting conditions are unstable.</a:t>
+            </a:r>
+          </a:p>
+          <a:p>
+            <a:r>
+              <a:rPr lang="en-US" sz="4000" dirty="0" smtClean="0"/>
+              <a:t>Color specific and country based. No uniform solution, yet.</a:t>
+            </a:r>
+          </a:p>
+          <a:p>
+            <a:r>
+              <a:rPr lang="en-US" sz="4000" dirty="0" smtClean="0"/>
+              <a:t>3 methods:</a:t>
+            </a:r>
+          </a:p>
+          <a:p>
+            <a:pPr lvl="1"/>
+            <a:r>
+              <a:rPr lang="en-US" sz="4000" dirty="0" smtClean="0">
+                <a:solidFill>
+                  <a:srgbClr val="FF0000"/>
+                </a:solidFill>
+              </a:rPr>
+              <a:t>Color Model Transformation</a:t>
+            </a:r>
+          </a:p>
+          <a:p>
+            <a:pPr lvl="1"/>
+            <a:r>
+              <a:rPr lang="en-US" sz="4000" dirty="0" smtClean="0">
+                <a:solidFill>
+                  <a:srgbClr val="FF0000"/>
+                </a:solidFill>
+              </a:rPr>
+              <a:t>Fuzzy Set Theory</a:t>
+            </a:r>
+          </a:p>
+          <a:p>
+            <a:pPr lvl="1"/>
+            <a:r>
+              <a:rPr lang="en-US" sz="4000" dirty="0" smtClean="0"/>
+              <a:t>Histogram Processing </a:t>
+            </a:r>
+          </a:p>
+          <a:p>
+            <a:endParaRPr lang="en-US" sz="2000" dirty="0" smtClean="0"/>
+          </a:p>
+          <a:p>
+            <a:endParaRPr lang="en-US" sz="2000" dirty="0"/>
+          </a:p>
+        </p:txBody>
+      </p:sp>
+    </p:spTree>
+    <p:extLst>
+      <p:ext uri="{BB962C8B-B14F-4D97-AF65-F5344CB8AC3E}">
+        <p14:creationId xmlns:p14="http://schemas.microsoft.com/office/powerpoint/2010/main" val="2384781699"/>
+      </p:ext>
+    </p:extLst>
+  </p:cSld>
+  <p:clrMapOvr>
+    <a:masterClrMapping/>
+  </p:clrMapOvr>
+  <p:timing>
+    <p:tnLst>
+      <p:par>
+        <p:cTn xmlns:p14="http://schemas.microsoft.com/office/powerpoint/2010/main" id="1" dur="indefinite" restart="never" nodeType="tmRoot"/>
+      </p:par>
+    </p:tnLst>
+  </p:timing>
+</p:sld>
+</file>
+
+<file path=ppt/slides/slide16.xml><?xml version="1.0" encoding="utf-8"?>
+<p:sld xmlns:a="http://schemas.openxmlformats.org/drawingml/2006/main" xmlns:r="http://schemas.openxmlformats.org/officeDocument/2006/relationships" xmlns:p="http://schemas.openxmlformats.org/presentationml/2006/main">
+  <p:cSld>
+    <p:spTree>
+      <p:nvGrpSpPr>
+        <p:cNvPr id="1" name=""/>
+        <p:cNvGrpSpPr/>
+        <p:nvPr/>
+      </p:nvGrpSpPr>
+      <p:grpSpPr>
+        <a:xfrm>
+          <a:off x="0" y="0"/>
+          <a:ext cx="0" cy="0"/>
+          <a:chOff x="0" y="0"/>
+          <a:chExt cx="0" cy="0"/>
+        </a:xfrm>
+      </p:grpSpPr>
+      <p:sp>
+        <p:nvSpPr>
+          <p:cNvPr id="2" name="Title 1"/>
+          <p:cNvSpPr>
+            <a:spLocks noGrp="1"/>
+          </p:cNvSpPr>
+          <p:nvPr>
+            <p:ph type="title"/>
+          </p:nvPr>
+        </p:nvSpPr>
+        <p:spPr/>
+        <p:txBody>
+          <a:bodyPr/>
+          <a:lstStyle/>
+          <a:p>
+            <a:pPr algn="l"/>
+            <a:r>
+              <a:rPr lang="en-US" dirty="0" smtClean="0">
+                <a:solidFill>
+                  <a:srgbClr val="FF0000"/>
+                </a:solidFill>
+              </a:rPr>
+              <a:t>Color Model Transformation</a:t>
+            </a:r>
+            <a:endParaRPr lang="en-US" dirty="0">
+              <a:solidFill>
+                <a:srgbClr val="FF0000"/>
+              </a:solidFill>
+            </a:endParaRPr>
+          </a:p>
+        </p:txBody>
+      </p:sp>
+      <p:sp>
+        <p:nvSpPr>
+          <p:cNvPr id="5" name="Slide Number Placeholder 4"/>
+          <p:cNvSpPr>
+            <a:spLocks noGrp="1"/>
+          </p:cNvSpPr>
+          <p:nvPr>
+            <p:ph type="sldNum" sz="quarter" idx="12"/>
+          </p:nvPr>
+        </p:nvSpPr>
+        <p:spPr/>
+        <p:txBody>
+          <a:bodyPr/>
+          <a:lstStyle/>
+          <a:p>
+            <a:fld id="{ECE4E509-3089-B441-946B-1736EECD1177}" type="slidenum">
+              <a:rPr lang="en-US" smtClean="0"/>
+              <a:t>16</a:t>
+            </a:fld>
+            <a:endParaRPr lang="en-US"/>
+          </a:p>
+        </p:txBody>
+      </p:sp>
+      <p:sp>
+        <p:nvSpPr>
+          <p:cNvPr id="6" name="TextBox 5"/>
+          <p:cNvSpPr txBox="1"/>
+          <p:nvPr/>
+        </p:nvSpPr>
+        <p:spPr>
+          <a:xfrm>
+            <a:off x="765709" y="5507038"/>
+            <a:ext cx="184666" cy="369332"/>
+          </a:xfrm>
+          <a:prstGeom prst="rect">
+            <a:avLst/>
+          </a:prstGeom>
+          <a:noFill/>
+        </p:spPr>
+        <p:txBody>
+          <a:bodyPr wrap="none" rtlCol="0">
+            <a:spAutoFit/>
+          </a:bodyPr>
+          <a:lstStyle/>
+          <a:p>
+            <a:endParaRPr lang="en-US" dirty="0"/>
+          </a:p>
+        </p:txBody>
+      </p:sp>
+      <p:sp>
+        <p:nvSpPr>
+          <p:cNvPr id="9" name="Content Placeholder 2"/>
+          <p:cNvSpPr>
+            <a:spLocks noGrp="1"/>
+          </p:cNvSpPr>
+          <p:nvPr>
+            <p:ph idx="1"/>
+          </p:nvPr>
+        </p:nvSpPr>
+        <p:spPr>
+          <a:xfrm>
+            <a:off x="457200" y="1600200"/>
+            <a:ext cx="8229600" cy="4525963"/>
+          </a:xfrm>
+        </p:spPr>
+        <p:txBody>
+          <a:bodyPr>
+            <a:normAutofit fontScale="92500" lnSpcReduction="20000"/>
+          </a:bodyPr>
+          <a:lstStyle/>
+          <a:p>
+            <a:r>
+              <a:rPr lang="en-US" sz="4000" dirty="0" smtClean="0"/>
+              <a:t>[7] and [43] propose that a color combination of plate and character is unique.</a:t>
+            </a:r>
+          </a:p>
+          <a:p>
+            <a:r>
+              <a:rPr lang="en-US" sz="4000" dirty="0" smtClean="0"/>
+              <a:t>Shi et al. propose classifications of </a:t>
+            </a:r>
+            <a:r>
+              <a:rPr lang="en-US" sz="4000" dirty="0"/>
+              <a:t>C</a:t>
+            </a:r>
+            <a:r>
+              <a:rPr lang="en-US" sz="4000" dirty="0" smtClean="0"/>
+              <a:t>hinese LP’s using HSL (hue, saturation, lightness) color model with 13 categories.</a:t>
+            </a:r>
+          </a:p>
+          <a:p>
+            <a:r>
+              <a:rPr lang="en-US" sz="4000" dirty="0" smtClean="0"/>
+              <a:t>After classification of regions, the AR of the expected plate is then verified.</a:t>
+            </a:r>
+          </a:p>
+          <a:p>
+            <a:endParaRPr lang="en-US" sz="4000" dirty="0" smtClean="0"/>
+          </a:p>
+        </p:txBody>
+      </p:sp>
+    </p:spTree>
+    <p:extLst>
+      <p:ext uri="{BB962C8B-B14F-4D97-AF65-F5344CB8AC3E}">
+        <p14:creationId xmlns:p14="http://schemas.microsoft.com/office/powerpoint/2010/main" val="2876388477"/>
+      </p:ext>
+    </p:extLst>
+  </p:cSld>
+  <p:clrMapOvr>
+    <a:masterClrMapping/>
+  </p:clrMapOvr>
+  <p:timing>
+    <p:tnLst>
+      <p:par>
+        <p:cTn xmlns:p14="http://schemas.microsoft.com/office/powerpoint/2010/main" id="1" dur="indefinite" restart="never" nodeType="tmRoot"/>
+      </p:par>
+    </p:tnLst>
+  </p:timing>
+</p:sld>
+</file>
+
+<file path=ppt/slides/slide17.xml><?xml version="1.0" encoding="utf-8"?>
+<p:sld xmlns:a="http://schemas.openxmlformats.org/drawingml/2006/main" xmlns:r="http://schemas.openxmlformats.org/officeDocument/2006/relationships" xmlns:p="http://schemas.openxmlformats.org/presentationml/2006/main">
+  <p:cSld>
+    <p:spTree>
+      <p:nvGrpSpPr>
+        <p:cNvPr id="1" name=""/>
+        <p:cNvGrpSpPr/>
+        <p:nvPr/>
+      </p:nvGrpSpPr>
+      <p:grpSpPr>
+        <a:xfrm>
+          <a:off x="0" y="0"/>
+          <a:ext cx="0" cy="0"/>
+          <a:chOff x="0" y="0"/>
+          <a:chExt cx="0" cy="0"/>
+        </a:xfrm>
+      </p:grpSpPr>
+      <p:sp>
+        <p:nvSpPr>
+          <p:cNvPr id="2" name="Title 1"/>
+          <p:cNvSpPr>
+            <a:spLocks noGrp="1"/>
+          </p:cNvSpPr>
+          <p:nvPr>
+            <p:ph type="title"/>
+          </p:nvPr>
+        </p:nvSpPr>
+        <p:spPr/>
+        <p:txBody>
+          <a:bodyPr/>
+          <a:lstStyle/>
+          <a:p>
+            <a:pPr algn="l"/>
+            <a:r>
+              <a:rPr lang="en-US" dirty="0" smtClean="0">
+                <a:solidFill>
+                  <a:srgbClr val="FF0000"/>
+                </a:solidFill>
+              </a:rPr>
+              <a:t>Fuzzy Sets Theory</a:t>
+            </a:r>
+            <a:endParaRPr lang="en-US" dirty="0">
+              <a:solidFill>
+                <a:srgbClr val="FF0000"/>
+              </a:solidFill>
+            </a:endParaRPr>
+          </a:p>
+        </p:txBody>
+      </p:sp>
+      <p:sp>
+        <p:nvSpPr>
+          <p:cNvPr id="5" name="Slide Number Placeholder 4"/>
+          <p:cNvSpPr>
+            <a:spLocks noGrp="1"/>
+          </p:cNvSpPr>
+          <p:nvPr>
+            <p:ph type="sldNum" sz="quarter" idx="12"/>
+          </p:nvPr>
+        </p:nvSpPr>
+        <p:spPr/>
+        <p:txBody>
+          <a:bodyPr/>
+          <a:lstStyle/>
+          <a:p>
+            <a:fld id="{ECE4E509-3089-B441-946B-1736EECD1177}" type="slidenum">
+              <a:rPr lang="en-US" smtClean="0"/>
+              <a:t>17</a:t>
+            </a:fld>
+            <a:endParaRPr lang="en-US"/>
+          </a:p>
+        </p:txBody>
+      </p:sp>
+      <p:sp>
+        <p:nvSpPr>
+          <p:cNvPr id="6" name="TextBox 5"/>
+          <p:cNvSpPr txBox="1"/>
+          <p:nvPr/>
+        </p:nvSpPr>
+        <p:spPr>
+          <a:xfrm>
+            <a:off x="765709" y="5507038"/>
+            <a:ext cx="184666" cy="369332"/>
+          </a:xfrm>
+          <a:prstGeom prst="rect">
+            <a:avLst/>
+          </a:prstGeom>
+          <a:noFill/>
+        </p:spPr>
+        <p:txBody>
+          <a:bodyPr wrap="none" rtlCol="0">
+            <a:spAutoFit/>
+          </a:bodyPr>
+          <a:lstStyle/>
+          <a:p>
+            <a:endParaRPr lang="en-US" dirty="0"/>
+          </a:p>
+        </p:txBody>
+      </p:sp>
+      <p:sp>
+        <p:nvSpPr>
+          <p:cNvPr id="9" name="Content Placeholder 2"/>
+          <p:cNvSpPr>
+            <a:spLocks noGrp="1"/>
+          </p:cNvSpPr>
+          <p:nvPr>
+            <p:ph idx="1"/>
+          </p:nvPr>
+        </p:nvSpPr>
+        <p:spPr>
+          <a:xfrm>
+            <a:off x="457200" y="1600200"/>
+            <a:ext cx="8229600" cy="4525963"/>
+          </a:xfrm>
+        </p:spPr>
+        <p:txBody>
+          <a:bodyPr>
+            <a:normAutofit fontScale="77500" lnSpcReduction="20000"/>
+          </a:bodyPr>
+          <a:lstStyle/>
+          <a:p>
+            <a:r>
+              <a:rPr lang="en-US" sz="4000" dirty="0" smtClean="0"/>
+              <a:t>Set of rules to help describe and locate LP’s in images.</a:t>
+            </a:r>
+          </a:p>
+          <a:p>
+            <a:r>
+              <a:rPr lang="en-US" sz="4000" dirty="0" smtClean="0"/>
+              <a:t>Use membership functions:</a:t>
+            </a:r>
+          </a:p>
+          <a:p>
+            <a:pPr lvl="1"/>
+            <a:r>
+              <a:rPr lang="en-US" sz="3600" dirty="0" smtClean="0"/>
+              <a:t>“bright”</a:t>
+            </a:r>
+          </a:p>
+          <a:p>
+            <a:pPr lvl="1"/>
+            <a:r>
+              <a:rPr lang="en-US" sz="3600" dirty="0" smtClean="0"/>
+              <a:t>“dark”</a:t>
+            </a:r>
+          </a:p>
+          <a:p>
+            <a:pPr lvl="1"/>
+            <a:r>
+              <a:rPr lang="en-US" sz="3600" dirty="0" smtClean="0"/>
+              <a:t>“bright and dark sequence”</a:t>
+            </a:r>
+          </a:p>
+          <a:p>
+            <a:pPr lvl="1"/>
+            <a:r>
+              <a:rPr lang="en-US" sz="3600" dirty="0" smtClean="0"/>
+              <a:t>“texture”</a:t>
+            </a:r>
+          </a:p>
+          <a:p>
+            <a:pPr lvl="1"/>
+            <a:r>
+              <a:rPr lang="en-US" sz="3600" dirty="0" smtClean="0"/>
+              <a:t>“yellowness”</a:t>
+            </a:r>
+          </a:p>
+          <a:p>
+            <a:r>
+              <a:rPr lang="en-US" sz="4000" dirty="0" smtClean="0"/>
+              <a:t>Gives horizontal and vertical plate positions.</a:t>
+            </a:r>
+          </a:p>
+          <a:p>
+            <a:endParaRPr lang="en-US" sz="4000" dirty="0" smtClean="0"/>
+          </a:p>
+        </p:txBody>
+      </p:sp>
+    </p:spTree>
+    <p:extLst>
+      <p:ext uri="{BB962C8B-B14F-4D97-AF65-F5344CB8AC3E}">
+        <p14:creationId xmlns:p14="http://schemas.microsoft.com/office/powerpoint/2010/main" val="3793854997"/>
+      </p:ext>
+    </p:extLst>
+  </p:cSld>
+  <p:clrMapOvr>
+    <a:masterClrMapping/>
+  </p:clrMapOvr>
+  <p:timing>
+    <p:tnLst>
+      <p:par>
+        <p:cTn xmlns:p14="http://schemas.microsoft.com/office/powerpoint/2010/main" id="1" dur="indefinite" restart="never" nodeType="tmRoot"/>
+      </p:par>
+    </p:tnLst>
+  </p:timing>
+</p:sld>
+</file>
+
+<file path=ppt/slides/slide18.xml><?xml version="1.0" encoding="utf-8"?>
+<p:sld xmlns:a="http://schemas.openxmlformats.org/drawingml/2006/main" xmlns:r="http://schemas.openxmlformats.org/officeDocument/2006/relationships" xmlns:p="http://schemas.openxmlformats.org/presentationml/2006/main">
+  <p:cSld>
+    <p:spTree>
+      <p:nvGrpSpPr>
+        <p:cNvPr id="1" name=""/>
+        <p:cNvGrpSpPr/>
+        <p:nvPr/>
+      </p:nvGrpSpPr>
+      <p:grpSpPr>
+        <a:xfrm>
+          <a:off x="0" y="0"/>
+          <a:ext cx="0" cy="0"/>
+          <a:chOff x="0" y="0"/>
+          <a:chExt cx="0" cy="0"/>
+        </a:xfrm>
+      </p:grpSpPr>
+      <p:sp>
+        <p:nvSpPr>
+          <p:cNvPr id="2" name="Title 1"/>
+          <p:cNvSpPr>
+            <a:spLocks noGrp="1"/>
+          </p:cNvSpPr>
+          <p:nvPr>
+            <p:ph type="title"/>
+          </p:nvPr>
+        </p:nvSpPr>
+        <p:spPr/>
+        <p:txBody>
+          <a:bodyPr/>
+          <a:lstStyle/>
+          <a:p>
+            <a:pPr algn="l"/>
+            <a:r>
+              <a:rPr lang="en-US" dirty="0" smtClean="0">
+                <a:solidFill>
+                  <a:srgbClr val="FF0000"/>
+                </a:solidFill>
+              </a:rPr>
+              <a:t>Example…</a:t>
+            </a:r>
+            <a:r>
+              <a:rPr lang="en-US" dirty="0">
+                <a:solidFill>
+                  <a:srgbClr val="FF0000"/>
+                </a:solidFill>
+              </a:rPr>
+              <a:t> </a:t>
+            </a:r>
+            <a:r>
+              <a:rPr lang="en-US" dirty="0" err="1" smtClean="0">
+                <a:solidFill>
+                  <a:srgbClr val="FF0000"/>
+                </a:solidFill>
+              </a:rPr>
+              <a:t>Zimic</a:t>
+            </a:r>
+            <a:r>
+              <a:rPr lang="en-US" dirty="0" smtClean="0">
+                <a:solidFill>
+                  <a:srgbClr val="FF0000"/>
+                </a:solidFill>
+              </a:rPr>
+              <a:t> et al [18]</a:t>
+            </a:r>
+            <a:endParaRPr lang="en-US" dirty="0">
+              <a:solidFill>
+                <a:srgbClr val="FF0000"/>
+              </a:solidFill>
+            </a:endParaRPr>
+          </a:p>
+        </p:txBody>
+      </p:sp>
+      <p:sp>
+        <p:nvSpPr>
+          <p:cNvPr id="5" name="Slide Number Placeholder 4"/>
+          <p:cNvSpPr>
+            <a:spLocks noGrp="1"/>
+          </p:cNvSpPr>
+          <p:nvPr>
+            <p:ph type="sldNum" sz="quarter" idx="12"/>
+          </p:nvPr>
+        </p:nvSpPr>
+        <p:spPr/>
+        <p:txBody>
+          <a:bodyPr/>
+          <a:lstStyle/>
+          <a:p>
+            <a:fld id="{ECE4E509-3089-B441-946B-1736EECD1177}" type="slidenum">
+              <a:rPr lang="en-US" smtClean="0"/>
+              <a:t>18</a:t>
+            </a:fld>
+            <a:endParaRPr lang="en-US"/>
+          </a:p>
+        </p:txBody>
+      </p:sp>
+      <p:sp>
+        <p:nvSpPr>
+          <p:cNvPr id="6" name="TextBox 5"/>
+          <p:cNvSpPr txBox="1"/>
+          <p:nvPr/>
+        </p:nvSpPr>
+        <p:spPr>
+          <a:xfrm>
+            <a:off x="765709" y="5507038"/>
+            <a:ext cx="184666" cy="369332"/>
+          </a:xfrm>
+          <a:prstGeom prst="rect">
+            <a:avLst/>
+          </a:prstGeom>
+          <a:noFill/>
+        </p:spPr>
+        <p:txBody>
+          <a:bodyPr wrap="none" rtlCol="0">
+            <a:spAutoFit/>
+          </a:bodyPr>
+          <a:lstStyle/>
+          <a:p>
+            <a:endParaRPr lang="en-US" dirty="0"/>
+          </a:p>
+        </p:txBody>
+      </p:sp>
+      <p:sp>
+        <p:nvSpPr>
+          <p:cNvPr id="9" name="Content Placeholder 2"/>
+          <p:cNvSpPr>
+            <a:spLocks noGrp="1"/>
+          </p:cNvSpPr>
+          <p:nvPr>
+            <p:ph idx="1"/>
+          </p:nvPr>
+        </p:nvSpPr>
+        <p:spPr>
+          <a:xfrm>
+            <a:off x="457200" y="1600200"/>
+            <a:ext cx="8229600" cy="4525963"/>
+          </a:xfrm>
+        </p:spPr>
+        <p:txBody>
+          <a:bodyPr>
+            <a:normAutofit fontScale="85000" lnSpcReduction="10000"/>
+          </a:bodyPr>
+          <a:lstStyle/>
+          <a:p>
+            <a:r>
+              <a:rPr lang="en-US" sz="4000" dirty="0" smtClean="0"/>
+              <a:t>Based on rules for human perception.</a:t>
+            </a:r>
+          </a:p>
+          <a:p>
+            <a:r>
+              <a:rPr lang="en-US" sz="4000" dirty="0" smtClean="0"/>
+              <a:t>Brightness and Darkness are defined by interval [0, 255].</a:t>
+            </a:r>
+          </a:p>
+          <a:p>
+            <a:r>
+              <a:rPr lang="en-US" sz="4000" dirty="0" smtClean="0"/>
+              <a:t>Input image is partitioned into 75x25 pixels.</a:t>
+            </a:r>
+          </a:p>
+          <a:p>
+            <a:r>
+              <a:rPr lang="en-US" sz="4000" dirty="0" smtClean="0"/>
+              <a:t>Each partition computes the four properties.</a:t>
+            </a:r>
+          </a:p>
+          <a:p>
+            <a:r>
+              <a:rPr lang="en-US" sz="4000" b="1" dirty="0" smtClean="0"/>
+              <a:t>Success Rate: </a:t>
+            </a:r>
+            <a:r>
+              <a:rPr lang="en-US" sz="4000" dirty="0" smtClean="0"/>
+              <a:t>97%</a:t>
+            </a:r>
+          </a:p>
+          <a:p>
+            <a:r>
+              <a:rPr lang="en-US" sz="4000" b="1" u="sng" dirty="0" smtClean="0"/>
+              <a:t>Disadvantage</a:t>
+            </a:r>
+            <a:r>
+              <a:rPr lang="en-US" sz="4000" dirty="0" smtClean="0"/>
+              <a:t>: Rules 2 and 4 limit distance.</a:t>
+            </a:r>
+          </a:p>
+          <a:p>
+            <a:endParaRPr lang="en-US" sz="4000" dirty="0" smtClean="0"/>
+          </a:p>
+        </p:txBody>
+      </p:sp>
+    </p:spTree>
+    <p:extLst>
+      <p:ext uri="{BB962C8B-B14F-4D97-AF65-F5344CB8AC3E}">
+        <p14:creationId xmlns:p14="http://schemas.microsoft.com/office/powerpoint/2010/main" val="78825402"/>
+      </p:ext>
+    </p:extLst>
+  </p:cSld>
+  <p:clrMapOvr>
+    <a:masterClrMapping/>
+  </p:clrMapOvr>
+  <p:timing>
+    <p:tnLst>
+      <p:par>
+        <p:cTn xmlns:p14="http://schemas.microsoft.com/office/powerpoint/2010/main" id="1" dur="indefinite" restart="never" nodeType="tmRoot"/>
+      </p:par>
+    </p:tnLst>
+  </p:timing>
+</p:sld>
+</file>
+
+<file path=ppt/slides/slide19.xml><?xml version="1.0" encoding="utf-8"?>
+<p:sld xmlns:a="http://schemas.openxmlformats.org/drawingml/2006/main" xmlns:r="http://schemas.openxmlformats.org/officeDocument/2006/relationships" xmlns:p="http://schemas.openxmlformats.org/presentationml/2006/main">
+  <p:cSld>
+    <p:spTree>
+      <p:nvGrpSpPr>
+        <p:cNvPr id="1" name=""/>
+        <p:cNvGrpSpPr/>
+        <p:nvPr/>
+      </p:nvGrpSpPr>
+      <p:grpSpPr>
+        <a:xfrm>
+          <a:off x="0" y="0"/>
+          <a:ext cx="0" cy="0"/>
+          <a:chOff x="0" y="0"/>
+          <a:chExt cx="0" cy="0"/>
+        </a:xfrm>
+      </p:grpSpPr>
+      <p:sp>
+        <p:nvSpPr>
+          <p:cNvPr id="2" name="Title 1"/>
+          <p:cNvSpPr>
+            <a:spLocks noGrp="1"/>
+          </p:cNvSpPr>
+          <p:nvPr>
+            <p:ph type="title"/>
+          </p:nvPr>
+        </p:nvSpPr>
+        <p:spPr/>
+        <p:txBody>
+          <a:bodyPr/>
+          <a:lstStyle/>
+          <a:p>
+            <a:pPr algn="l"/>
+            <a:r>
+              <a:rPr lang="en-US" dirty="0" smtClean="0">
+                <a:solidFill>
+                  <a:srgbClr val="FF0000"/>
+                </a:solidFill>
+              </a:rPr>
+              <a:t>Results</a:t>
+            </a:r>
+            <a:endParaRPr lang="en-US" dirty="0">
+              <a:solidFill>
+                <a:srgbClr val="FF0000"/>
+              </a:solidFill>
+            </a:endParaRPr>
+          </a:p>
+        </p:txBody>
+      </p:sp>
+      <p:sp>
+        <p:nvSpPr>
+          <p:cNvPr id="5" name="Slide Number Placeholder 4"/>
+          <p:cNvSpPr>
+            <a:spLocks noGrp="1"/>
+          </p:cNvSpPr>
+          <p:nvPr>
+            <p:ph type="sldNum" sz="quarter" idx="12"/>
+          </p:nvPr>
+        </p:nvSpPr>
+        <p:spPr/>
+        <p:txBody>
+          <a:bodyPr/>
+          <a:lstStyle/>
+          <a:p>
+            <a:fld id="{ECE4E509-3089-B441-946B-1736EECD1177}" type="slidenum">
+              <a:rPr lang="en-US" smtClean="0"/>
+              <a:t>19</a:t>
+            </a:fld>
+            <a:endParaRPr lang="en-US"/>
+          </a:p>
+        </p:txBody>
+      </p:sp>
+      <p:sp>
+        <p:nvSpPr>
+          <p:cNvPr id="6" name="TextBox 5"/>
+          <p:cNvSpPr txBox="1"/>
+          <p:nvPr/>
+        </p:nvSpPr>
+        <p:spPr>
+          <a:xfrm>
+            <a:off x="765709" y="5507038"/>
+            <a:ext cx="184666" cy="369332"/>
+          </a:xfrm>
+          <a:prstGeom prst="rect">
+            <a:avLst/>
+          </a:prstGeom>
+          <a:noFill/>
+        </p:spPr>
+        <p:txBody>
+          <a:bodyPr wrap="none" rtlCol="0">
+            <a:spAutoFit/>
+          </a:bodyPr>
+          <a:lstStyle/>
+          <a:p>
+            <a:endParaRPr lang="en-US" dirty="0"/>
+          </a:p>
+        </p:txBody>
+      </p:sp>
+      <p:pic>
+        <p:nvPicPr>
+          <p:cNvPr id="8" name="Picture 7"/>
+          <p:cNvPicPr>
+            <a:picLocks noChangeAspect="1"/>
+          </p:cNvPicPr>
+          <p:nvPr/>
+        </p:nvPicPr>
+        <p:blipFill>
+          <a:blip r:embed="rId3"/>
+          <a:stretch>
+            <a:fillRect/>
+          </a:stretch>
+        </p:blipFill>
+        <p:spPr>
+          <a:xfrm>
+            <a:off x="1385804" y="1276940"/>
+            <a:ext cx="6185816" cy="5079410"/>
+          </a:xfrm>
+          <a:prstGeom prst="rect">
+            <a:avLst/>
+          </a:prstGeom>
+        </p:spPr>
+      </p:pic>
+    </p:spTree>
+    <p:extLst>
+      <p:ext uri="{BB962C8B-B14F-4D97-AF65-F5344CB8AC3E}">
+        <p14:creationId xmlns:p14="http://schemas.microsoft.com/office/powerpoint/2010/main" val="1330602389"/>
+      </p:ext>
+    </p:extLst>
+  </p:cSld>
+  <p:clrMapOvr>
+    <a:masterClrMapping/>
+  </p:clrMapOvr>
+  <p:timing>
+    <p:tnLst>
+      <p:par>
+        <p:cTn xmlns:p14="http://schemas.microsoft.com/office/powerpoint/2010/main" id="1" dur="indefinite" restart="never" nodeType="tmRoot"/>
+      </p:par>
+    </p:tnLst>
+  </p:timing>
+</p:sld>
+</file>
+
 <file path=ppt/slides/slide2.xml><?xml version="1.0" encoding="utf-8"?>
 <p:sld xmlns:a="http://schemas.openxmlformats.org/drawingml/2006/main" xmlns:r="http://schemas.openxmlformats.org/officeDocument/2006/relationships" xmlns:p="http://schemas.openxmlformats.org/presentationml/2006/main">
   <p:cSld>
@@ -5665,7 +7976,7 @@
                   <a:srgbClr val="000000"/>
                 </a:solidFill>
               </a:rPr>
-              <a:t>Should be quasi-real time (~50 </a:t>
+              <a:t>Should be quasi or near-real time (~50 </a:t>
             </a:r>
             <a:r>
               <a:rPr lang="en-US" sz="2400" dirty="0" err="1" smtClean="0">
